--- a/Documentation.pptx
+++ b/Documentation.pptx
@@ -278,7 +278,7 @@
           <a:p>
             <a:fld id="{1036C699-2CAD-43B4-AFB5-A89239D373AB}" type="datetimeFigureOut">
               <a:rPr lang="en-IN" smtClean="0"/>
-              <a:t>04-10-2021</a:t>
+              <a:t>14-10-2021</a:t>
             </a:fld>
             <a:endParaRPr lang="en-IN"/>
           </a:p>
@@ -478,7 +478,7 @@
           <a:p>
             <a:fld id="{1036C699-2CAD-43B4-AFB5-A89239D373AB}" type="datetimeFigureOut">
               <a:rPr lang="en-IN" smtClean="0"/>
-              <a:t>04-10-2021</a:t>
+              <a:t>14-10-2021</a:t>
             </a:fld>
             <a:endParaRPr lang="en-IN"/>
           </a:p>
@@ -688,7 +688,7 @@
           <a:p>
             <a:fld id="{1036C699-2CAD-43B4-AFB5-A89239D373AB}" type="datetimeFigureOut">
               <a:rPr lang="en-IN" smtClean="0"/>
-              <a:t>04-10-2021</a:t>
+              <a:t>14-10-2021</a:t>
             </a:fld>
             <a:endParaRPr lang="en-IN"/>
           </a:p>
@@ -888,7 +888,7 @@
           <a:p>
             <a:fld id="{1036C699-2CAD-43B4-AFB5-A89239D373AB}" type="datetimeFigureOut">
               <a:rPr lang="en-IN" smtClean="0"/>
-              <a:t>04-10-2021</a:t>
+              <a:t>14-10-2021</a:t>
             </a:fld>
             <a:endParaRPr lang="en-IN"/>
           </a:p>
@@ -1164,7 +1164,7 @@
           <a:p>
             <a:fld id="{1036C699-2CAD-43B4-AFB5-A89239D373AB}" type="datetimeFigureOut">
               <a:rPr lang="en-IN" smtClean="0"/>
-              <a:t>04-10-2021</a:t>
+              <a:t>14-10-2021</a:t>
             </a:fld>
             <a:endParaRPr lang="en-IN"/>
           </a:p>
@@ -1432,7 +1432,7 @@
           <a:p>
             <a:fld id="{1036C699-2CAD-43B4-AFB5-A89239D373AB}" type="datetimeFigureOut">
               <a:rPr lang="en-IN" smtClean="0"/>
-              <a:t>04-10-2021</a:t>
+              <a:t>14-10-2021</a:t>
             </a:fld>
             <a:endParaRPr lang="en-IN"/>
           </a:p>
@@ -1847,7 +1847,7 @@
           <a:p>
             <a:fld id="{1036C699-2CAD-43B4-AFB5-A89239D373AB}" type="datetimeFigureOut">
               <a:rPr lang="en-IN" smtClean="0"/>
-              <a:t>04-10-2021</a:t>
+              <a:t>14-10-2021</a:t>
             </a:fld>
             <a:endParaRPr lang="en-IN"/>
           </a:p>
@@ -1989,7 +1989,7 @@
           <a:p>
             <a:fld id="{1036C699-2CAD-43B4-AFB5-A89239D373AB}" type="datetimeFigureOut">
               <a:rPr lang="en-IN" smtClean="0"/>
-              <a:t>04-10-2021</a:t>
+              <a:t>14-10-2021</a:t>
             </a:fld>
             <a:endParaRPr lang="en-IN"/>
           </a:p>
@@ -2102,7 +2102,7 @@
           <a:p>
             <a:fld id="{1036C699-2CAD-43B4-AFB5-A89239D373AB}" type="datetimeFigureOut">
               <a:rPr lang="en-IN" smtClean="0"/>
-              <a:t>04-10-2021</a:t>
+              <a:t>14-10-2021</a:t>
             </a:fld>
             <a:endParaRPr lang="en-IN"/>
           </a:p>
@@ -2415,7 +2415,7 @@
           <a:p>
             <a:fld id="{1036C699-2CAD-43B4-AFB5-A89239D373AB}" type="datetimeFigureOut">
               <a:rPr lang="en-IN" smtClean="0"/>
-              <a:t>04-10-2021</a:t>
+              <a:t>14-10-2021</a:t>
             </a:fld>
             <a:endParaRPr lang="en-IN"/>
           </a:p>
@@ -2704,7 +2704,7 @@
           <a:p>
             <a:fld id="{1036C699-2CAD-43B4-AFB5-A89239D373AB}" type="datetimeFigureOut">
               <a:rPr lang="en-IN" smtClean="0"/>
-              <a:t>04-10-2021</a:t>
+              <a:t>14-10-2021</a:t>
             </a:fld>
             <a:endParaRPr lang="en-IN"/>
           </a:p>
@@ -2947,7 +2947,7 @@
           <a:p>
             <a:fld id="{1036C699-2CAD-43B4-AFB5-A89239D373AB}" type="datetimeFigureOut">
               <a:rPr lang="en-IN" smtClean="0"/>
-              <a:t>04-10-2021</a:t>
+              <a:t>14-10-2021</a:t>
             </a:fld>
             <a:endParaRPr lang="en-IN"/>
           </a:p>
@@ -4237,35 +4237,100 @@
           </a:p>
         </p:txBody>
       </p:sp>
-      <p:sp>
-        <p:nvSpPr>
-          <p:cNvPr id="3" name="Content Placeholder 2">
-            <a:extLst>
-              <a:ext uri="{FF2B5EF4-FFF2-40B4-BE49-F238E27FC236}">
-                <a16:creationId xmlns:a16="http://schemas.microsoft.com/office/drawing/2014/main" id="{0C6CA6BA-D835-48CB-8ABD-0BF27AF5A2F3}"/>
-              </a:ext>
-            </a:extLst>
-          </p:cNvPr>
-          <p:cNvSpPr>
-            <a:spLocks noGrp="1"/>
-          </p:cNvSpPr>
-          <p:nvPr>
-            <p:ph idx="1"/>
-          </p:nvPr>
-        </p:nvSpPr>
-        <p:spPr/>
-        <p:txBody>
-          <a:bodyPr/>
-          <a:lstStyle/>
-          <a:p>
-            <a:r>
-              <a:rPr lang="en-GB" dirty="0"/>
-              <a:t>Add Only Images</a:t>
-            </a:r>
-            <a:endParaRPr lang="en-IN" dirty="0"/>
-          </a:p>
-        </p:txBody>
-      </p:sp>
+      <p:pic>
+        <p:nvPicPr>
+          <p:cNvPr id="1028" name="Picture 4" descr="Music App UI designs, themes, templates and downloadable graphic elements  on Dribbble">
+            <a:extLst>
+              <a:ext uri="{FF2B5EF4-FFF2-40B4-BE49-F238E27FC236}">
+                <a16:creationId xmlns:a16="http://schemas.microsoft.com/office/drawing/2014/main" id="{E11B8CBC-3EBE-4A64-817C-2B86F9D00A2E}"/>
+              </a:ext>
+            </a:extLst>
+          </p:cNvPr>
+          <p:cNvPicPr>
+            <a:picLocks noChangeAspect="1" noChangeArrowheads="1"/>
+          </p:cNvPicPr>
+          <p:nvPr/>
+        </p:nvPicPr>
+        <p:blipFill>
+          <a:blip r:embed="rId2">
+            <a:extLst>
+              <a:ext uri="{28A0092B-C50C-407E-A947-70E740481C1C}">
+                <a14:useLocalDpi xmlns:a14="http://schemas.microsoft.com/office/drawing/2010/main" val="0"/>
+              </a:ext>
+            </a:extLst>
+          </a:blip>
+          <a:srcRect/>
+          <a:stretch>
+            <a:fillRect/>
+          </a:stretch>
+        </p:blipFill>
+        <p:spPr bwMode="auto">
+          <a:xfrm>
+            <a:off x="376382" y="1940069"/>
+            <a:ext cx="5504295" cy="4128221"/>
+          </a:xfrm>
+          <a:prstGeom prst="rect">
+            <a:avLst/>
+          </a:prstGeom>
+          <a:noFill/>
+          <a:extLst>
+            <a:ext uri="{909E8E84-426E-40DD-AFC4-6F175D3DCCD1}">
+              <a14:hiddenFill xmlns:a14="http://schemas.microsoft.com/office/drawing/2010/main">
+                <a:solidFill>
+                  <a:srgbClr val="FFFFFF"/>
+                </a:solidFill>
+              </a14:hiddenFill>
+            </a:ext>
+          </a:extLst>
+        </p:spPr>
+      </p:pic>
+      <p:pic>
+        <p:nvPicPr>
+          <p:cNvPr id="1030" name="Picture 6" descr="Pin on design">
+            <a:extLst>
+              <a:ext uri="{FF2B5EF4-FFF2-40B4-BE49-F238E27FC236}">
+                <a16:creationId xmlns:a16="http://schemas.microsoft.com/office/drawing/2014/main" id="{6DCBE9E4-3C75-4D5F-9501-C1303E1CBCC7}"/>
+              </a:ext>
+            </a:extLst>
+          </p:cNvPr>
+          <p:cNvPicPr>
+            <a:picLocks noChangeAspect="1" noChangeArrowheads="1"/>
+          </p:cNvPicPr>
+          <p:nvPr/>
+        </p:nvPicPr>
+        <p:blipFill>
+          <a:blip r:embed="rId3">
+            <a:extLst>
+              <a:ext uri="{28A0092B-C50C-407E-A947-70E740481C1C}">
+                <a14:useLocalDpi xmlns:a14="http://schemas.microsoft.com/office/drawing/2010/main" val="0"/>
+              </a:ext>
+            </a:extLst>
+          </a:blip>
+          <a:srcRect/>
+          <a:stretch>
+            <a:fillRect/>
+          </a:stretch>
+        </p:blipFill>
+        <p:spPr bwMode="auto">
+          <a:xfrm>
+            <a:off x="7613653" y="1940069"/>
+            <a:ext cx="3575420" cy="3463205"/>
+          </a:xfrm>
+          <a:prstGeom prst="rect">
+            <a:avLst/>
+          </a:prstGeom>
+          <a:noFill/>
+          <a:extLst>
+            <a:ext uri="{909E8E84-426E-40DD-AFC4-6F175D3DCCD1}">
+              <a14:hiddenFill xmlns:a14="http://schemas.microsoft.com/office/drawing/2010/main">
+                <a:solidFill>
+                  <a:srgbClr val="FFFFFF"/>
+                </a:solidFill>
+              </a14:hiddenFill>
+            </a:ext>
+          </a:extLst>
+        </p:spPr>
+      </p:pic>
     </p:spTree>
     <p:extLst>
       <p:ext uri="{BB962C8B-B14F-4D97-AF65-F5344CB8AC3E}">
